--- a/Sprint 3/Apresentação/Presentation (1).pptx
+++ b/Sprint 3/Apresentação/Presentation (1).pptx
@@ -270,7 +270,7 @@
           <a:p>
             <a:fld id="{846CE7D5-CF57-46EF-B807-FDD0502418D4}" type="datetimeFigureOut">
               <a:rPr lang="en-US" smtClean="0"/>
-              <a:t>5/13/2021</a:t>
+              <a:t>5/27/2021</a:t>
             </a:fld>
             <a:endParaRPr lang="en-US"/>
           </a:p>
@@ -312,7 +312,7 @@
           <a:p>
             <a:fld id="{330EA680-D336-4FF7-8B7A-9848BB0A1C32}" type="slidenum">
               <a:rPr lang="en-US" smtClean="0"/>
-              <a:t>‹#›</a:t>
+              <a:t>‹nº›</a:t>
             </a:fld>
             <a:endParaRPr lang="en-US"/>
           </a:p>
@@ -440,7 +440,7 @@
           <a:p>
             <a:fld id="{846CE7D5-CF57-46EF-B807-FDD0502418D4}" type="datetimeFigureOut">
               <a:rPr lang="en-US" smtClean="0"/>
-              <a:t>5/13/2021</a:t>
+              <a:t>5/27/2021</a:t>
             </a:fld>
             <a:endParaRPr lang="en-US"/>
           </a:p>
@@ -482,7 +482,7 @@
           <a:p>
             <a:fld id="{330EA680-D336-4FF7-8B7A-9848BB0A1C32}" type="slidenum">
               <a:rPr lang="en-US" smtClean="0"/>
-              <a:t>‹#›</a:t>
+              <a:t>‹nº›</a:t>
             </a:fld>
             <a:endParaRPr lang="en-US"/>
           </a:p>
@@ -620,7 +620,7 @@
           <a:p>
             <a:fld id="{846CE7D5-CF57-46EF-B807-FDD0502418D4}" type="datetimeFigureOut">
               <a:rPr lang="en-US" smtClean="0"/>
-              <a:t>5/13/2021</a:t>
+              <a:t>5/27/2021</a:t>
             </a:fld>
             <a:endParaRPr lang="en-US"/>
           </a:p>
@@ -662,7 +662,7 @@
           <a:p>
             <a:fld id="{330EA680-D336-4FF7-8B7A-9848BB0A1C32}" type="slidenum">
               <a:rPr lang="en-US" smtClean="0"/>
-              <a:t>‹#›</a:t>
+              <a:t>‹nº›</a:t>
             </a:fld>
             <a:endParaRPr lang="en-US"/>
           </a:p>
@@ -790,7 +790,7 @@
           <a:p>
             <a:fld id="{846CE7D5-CF57-46EF-B807-FDD0502418D4}" type="datetimeFigureOut">
               <a:rPr lang="en-US" smtClean="0"/>
-              <a:t>5/13/2021</a:t>
+              <a:t>5/27/2021</a:t>
             </a:fld>
             <a:endParaRPr lang="en-US"/>
           </a:p>
@@ -832,7 +832,7 @@
           <a:p>
             <a:fld id="{330EA680-D336-4FF7-8B7A-9848BB0A1C32}" type="slidenum">
               <a:rPr lang="en-US" smtClean="0"/>
-              <a:t>‹#›</a:t>
+              <a:t>‹nº›</a:t>
             </a:fld>
             <a:endParaRPr lang="en-US"/>
           </a:p>
@@ -1036,7 +1036,7 @@
           <a:p>
             <a:fld id="{846CE7D5-CF57-46EF-B807-FDD0502418D4}" type="datetimeFigureOut">
               <a:rPr lang="en-US" smtClean="0"/>
-              <a:t>5/13/2021</a:t>
+              <a:t>5/27/2021</a:t>
             </a:fld>
             <a:endParaRPr lang="en-US"/>
           </a:p>
@@ -1078,7 +1078,7 @@
           <a:p>
             <a:fld id="{330EA680-D336-4FF7-8B7A-9848BB0A1C32}" type="slidenum">
               <a:rPr lang="en-US" smtClean="0"/>
-              <a:t>‹#›</a:t>
+              <a:t>‹nº›</a:t>
             </a:fld>
             <a:endParaRPr lang="en-US"/>
           </a:p>
@@ -1268,7 +1268,7 @@
           <a:p>
             <a:fld id="{846CE7D5-CF57-46EF-B807-FDD0502418D4}" type="datetimeFigureOut">
               <a:rPr lang="en-US" smtClean="0"/>
-              <a:t>5/13/2021</a:t>
+              <a:t>5/27/2021</a:t>
             </a:fld>
             <a:endParaRPr lang="en-US"/>
           </a:p>
@@ -1310,7 +1310,7 @@
           <a:p>
             <a:fld id="{330EA680-D336-4FF7-8B7A-9848BB0A1C32}" type="slidenum">
               <a:rPr lang="en-US" smtClean="0"/>
-              <a:t>‹#›</a:t>
+              <a:t>‹nº›</a:t>
             </a:fld>
             <a:endParaRPr lang="en-US"/>
           </a:p>
@@ -1635,7 +1635,7 @@
           <a:p>
             <a:fld id="{846CE7D5-CF57-46EF-B807-FDD0502418D4}" type="datetimeFigureOut">
               <a:rPr lang="en-US" smtClean="0"/>
-              <a:t>5/13/2021</a:t>
+              <a:t>5/27/2021</a:t>
             </a:fld>
             <a:endParaRPr lang="en-US"/>
           </a:p>
@@ -1677,7 +1677,7 @@
           <a:p>
             <a:fld id="{330EA680-D336-4FF7-8B7A-9848BB0A1C32}" type="slidenum">
               <a:rPr lang="en-US" smtClean="0"/>
-              <a:t>‹#›</a:t>
+              <a:t>‹nº›</a:t>
             </a:fld>
             <a:endParaRPr lang="en-US"/>
           </a:p>
@@ -1753,7 +1753,7 @@
           <a:p>
             <a:fld id="{846CE7D5-CF57-46EF-B807-FDD0502418D4}" type="datetimeFigureOut">
               <a:rPr lang="en-US" smtClean="0"/>
-              <a:t>5/13/2021</a:t>
+              <a:t>5/27/2021</a:t>
             </a:fld>
             <a:endParaRPr lang="en-US"/>
           </a:p>
@@ -1795,7 +1795,7 @@
           <a:p>
             <a:fld id="{330EA680-D336-4FF7-8B7A-9848BB0A1C32}" type="slidenum">
               <a:rPr lang="en-US" smtClean="0"/>
-              <a:t>‹#›</a:t>
+              <a:t>‹nº›</a:t>
             </a:fld>
             <a:endParaRPr lang="en-US"/>
           </a:p>
@@ -1848,7 +1848,7 @@
           <a:p>
             <a:fld id="{846CE7D5-CF57-46EF-B807-FDD0502418D4}" type="datetimeFigureOut">
               <a:rPr lang="en-US" smtClean="0"/>
-              <a:t>5/13/2021</a:t>
+              <a:t>5/27/2021</a:t>
             </a:fld>
             <a:endParaRPr lang="en-US"/>
           </a:p>
@@ -1890,7 +1890,7 @@
           <a:p>
             <a:fld id="{330EA680-D336-4FF7-8B7A-9848BB0A1C32}" type="slidenum">
               <a:rPr lang="en-US" smtClean="0"/>
-              <a:t>‹#›</a:t>
+              <a:t>‹nº›</a:t>
             </a:fld>
             <a:endParaRPr lang="en-US"/>
           </a:p>
@@ -2125,7 +2125,7 @@
           <a:p>
             <a:fld id="{846CE7D5-CF57-46EF-B807-FDD0502418D4}" type="datetimeFigureOut">
               <a:rPr lang="en-US" smtClean="0"/>
-              <a:t>5/13/2021</a:t>
+              <a:t>5/27/2021</a:t>
             </a:fld>
             <a:endParaRPr lang="en-US"/>
           </a:p>
@@ -2167,7 +2167,7 @@
           <a:p>
             <a:fld id="{330EA680-D336-4FF7-8B7A-9848BB0A1C32}" type="slidenum">
               <a:rPr lang="en-US" smtClean="0"/>
-              <a:t>‹#›</a:t>
+              <a:t>‹nº›</a:t>
             </a:fld>
             <a:endParaRPr lang="en-US"/>
           </a:p>
@@ -2382,7 +2382,7 @@
           <a:p>
             <a:fld id="{846CE7D5-CF57-46EF-B807-FDD0502418D4}" type="datetimeFigureOut">
               <a:rPr lang="en-US" smtClean="0"/>
-              <a:t>5/13/2021</a:t>
+              <a:t>5/27/2021</a:t>
             </a:fld>
             <a:endParaRPr lang="en-US"/>
           </a:p>
@@ -2424,7 +2424,7 @@
           <a:p>
             <a:fld id="{330EA680-D336-4FF7-8B7A-9848BB0A1C32}" type="slidenum">
               <a:rPr lang="en-US" smtClean="0"/>
-              <a:t>‹#›</a:t>
+              <a:t>‹nº›</a:t>
             </a:fld>
             <a:endParaRPr lang="en-US"/>
           </a:p>
@@ -2595,7 +2595,7 @@
           <a:p>
             <a:fld id="{846CE7D5-CF57-46EF-B807-FDD0502418D4}" type="datetimeFigureOut">
               <a:rPr lang="en-US" smtClean="0"/>
-              <a:t>5/13/2021</a:t>
+              <a:t>5/27/2021</a:t>
             </a:fld>
             <a:endParaRPr lang="en-US"/>
           </a:p>
@@ -2673,7 +2673,7 @@
           <a:p>
             <a:fld id="{330EA680-D336-4FF7-8B7A-9848BB0A1C32}" type="slidenum">
               <a:rPr lang="en-US" smtClean="0"/>
-              <a:t>‹#›</a:t>
+              <a:t>‹nº›</a:t>
             </a:fld>
             <a:endParaRPr lang="en-US"/>
           </a:p>
